--- a/progress report.pptx
+++ b/progress report.pptx
@@ -5,13 +5,14 @@
     <p:sldMasterId id="2147483660" r:id="rId1"/>
   </p:sldMasterIdLst>
   <p:notesMasterIdLst>
-    <p:notesMasterId r:id="rId6"/>
+    <p:notesMasterId r:id="rId7"/>
   </p:notesMasterIdLst>
   <p:sldIdLst>
     <p:sldId id="256" r:id="rId2"/>
     <p:sldId id="295" r:id="rId3"/>
     <p:sldId id="296" r:id="rId4"/>
     <p:sldId id="297" r:id="rId5"/>
+    <p:sldId id="298" r:id="rId6"/>
   </p:sldIdLst>
   <p:sldSz cx="9144000" cy="6858000" type="screen4x3"/>
   <p:notesSz cx="6858000" cy="9144000"/>
@@ -5083,8 +5084,8 @@
           </a:p>
         </p:txBody>
       </p:sp>
-      <mc:AlternateContent xmlns:mc="http://schemas.openxmlformats.org/markup-compatibility/2006">
-        <mc:Choice xmlns:a14="http://schemas.microsoft.com/office/drawing/2010/main" Requires="a14">
+      <mc:AlternateContent xmlns:mc="http://schemas.openxmlformats.org/markup-compatibility/2006" xmlns:a14="http://schemas.microsoft.com/office/drawing/2010/main">
+        <mc:Choice Requires="a14">
           <p:sp>
             <p:nvSpPr>
               <p:cNvPr id="3" name="內容版面配置區 2">
@@ -5634,7 +5635,7 @@
             </p:txBody>
           </p:sp>
         </mc:Choice>
-        <mc:Fallback>
+        <mc:Fallback xmlns="">
           <p:sp>
             <p:nvSpPr>
               <p:cNvPr id="3" name="內容版面配置區 2">
@@ -5768,8 +5769,8 @@
           </a:p>
         </p:txBody>
       </p:sp>
-      <mc:AlternateContent xmlns:mc="http://schemas.openxmlformats.org/markup-compatibility/2006">
-        <mc:Choice xmlns:a14="http://schemas.microsoft.com/office/drawing/2010/main" Requires="a14">
+      <mc:AlternateContent xmlns:mc="http://schemas.openxmlformats.org/markup-compatibility/2006" xmlns:a14="http://schemas.microsoft.com/office/drawing/2010/main">
+        <mc:Choice Requires="a14">
           <p:sp>
             <p:nvSpPr>
               <p:cNvPr id="3" name="內容版面配置區 2">
@@ -5935,13 +5936,7 @@
                       <a:rPr lang="en-US" altLang="zh-TW" i="1" dirty="0" smtClean="0">
                         <a:latin typeface="Cambria Math" panose="02040503050406030204" pitchFamily="18" charset="0"/>
                       </a:rPr>
-                      <m:t>𝐹</m:t>
-                    </m:r>
-                    <m:r>
-                      <a:rPr lang="en-US" altLang="zh-TW" i="1" dirty="0" smtClean="0">
-                        <a:latin typeface="Cambria Math" panose="02040503050406030204" pitchFamily="18" charset="0"/>
-                      </a:rPr>
-                      <m:t>𝑃</m:t>
+                      <m:t>𝐹𝑃</m:t>
                     </m:r>
                     <m:r>
                       <a:rPr lang="en-US" altLang="zh-TW" i="1" dirty="0">
@@ -6063,7 +6058,7 @@
             </p:txBody>
           </p:sp>
         </mc:Choice>
-        <mc:Fallback>
+        <mc:Fallback xmlns="">
           <p:sp>
             <p:nvSpPr>
               <p:cNvPr id="3" name="內容版面配置區 2">
@@ -6142,6 +6137,689 @@
     <p:extLst>
       <p:ext uri="{BB962C8B-B14F-4D97-AF65-F5344CB8AC3E}">
         <p14:creationId xmlns:p14="http://schemas.microsoft.com/office/powerpoint/2010/main" val="2187343761"/>
+      </p:ext>
+    </p:extLst>
+  </p:cSld>
+  <p:clrMapOvr>
+    <a:masterClrMapping/>
+  </p:clrMapOvr>
+</p:sld>
+</file>
+
+<file path=ppt/slides/slide5.xml><?xml version="1.0" encoding="utf-8"?>
+<p:sld xmlns:a="http://schemas.openxmlformats.org/drawingml/2006/main" xmlns:r="http://schemas.openxmlformats.org/officeDocument/2006/relationships" xmlns:p="http://schemas.openxmlformats.org/presentationml/2006/main">
+  <p:cSld>
+    <p:spTree>
+      <p:nvGrpSpPr>
+        <p:cNvPr id="1" name=""/>
+        <p:cNvGrpSpPr/>
+        <p:nvPr/>
+      </p:nvGrpSpPr>
+      <p:grpSpPr>
+        <a:xfrm>
+          <a:off x="0" y="0"/>
+          <a:ext cx="0" cy="0"/>
+          <a:chOff x="0" y="0"/>
+          <a:chExt cx="0" cy="0"/>
+        </a:xfrm>
+      </p:grpSpPr>
+      <p:sp>
+        <p:nvSpPr>
+          <p:cNvPr id="2" name="標題 1">
+            <a:extLst>
+              <a:ext uri="{FF2B5EF4-FFF2-40B4-BE49-F238E27FC236}">
+                <a16:creationId xmlns:a16="http://schemas.microsoft.com/office/drawing/2014/main" id="{B98D1EE4-F5FB-4B95-BFD2-F01F31B2C8E3}"/>
+              </a:ext>
+            </a:extLst>
+          </p:cNvPr>
+          <p:cNvSpPr>
+            <a:spLocks noGrp="1"/>
+          </p:cNvSpPr>
+          <p:nvPr>
+            <p:ph type="title"/>
+          </p:nvPr>
+        </p:nvSpPr>
+        <p:spPr/>
+        <p:txBody>
+          <a:bodyPr/>
+          <a:lstStyle/>
+          <a:p>
+            <a:r>
+              <a:rPr lang="en-US" altLang="zh-TW" dirty="0"/>
+              <a:t>Loss function</a:t>
+            </a:r>
+            <a:endParaRPr lang="zh-TW" altLang="en-US" dirty="0"/>
+          </a:p>
+        </p:txBody>
+      </p:sp>
+      <p:sp>
+        <p:nvSpPr>
+          <p:cNvPr id="3" name="內容版面配置區 2">
+            <a:extLst>
+              <a:ext uri="{FF2B5EF4-FFF2-40B4-BE49-F238E27FC236}">
+                <a16:creationId xmlns:a16="http://schemas.microsoft.com/office/drawing/2014/main" id="{98850C76-2222-4941-BAD0-D0BC44FE69F8}"/>
+              </a:ext>
+            </a:extLst>
+          </p:cNvPr>
+          <p:cNvSpPr>
+            <a:spLocks noGrp="1"/>
+          </p:cNvSpPr>
+          <p:nvPr>
+            <p:ph idx="1"/>
+          </p:nvPr>
+        </p:nvSpPr>
+        <p:spPr/>
+        <p:txBody>
+          <a:bodyPr/>
+          <a:lstStyle/>
+          <a:p>
+            <a:r>
+              <a:rPr lang="en-US" altLang="zh-TW" dirty="0"/>
+              <a:t>Binary cross entropy</a:t>
+            </a:r>
+          </a:p>
+          <a:p>
+            <a:endParaRPr lang="en-US" altLang="zh-TW" dirty="0"/>
+          </a:p>
+          <a:p>
+            <a:pPr marL="0" indent="0">
+              <a:buNone/>
+            </a:pPr>
+            <a:endParaRPr lang="en-US" altLang="zh-TW" dirty="0"/>
+          </a:p>
+          <a:p>
+            <a:pPr marL="0" indent="0">
+              <a:buNone/>
+            </a:pPr>
+            <a:endParaRPr lang="en-US" altLang="zh-TW" dirty="0"/>
+          </a:p>
+          <a:p>
+            <a:r>
+              <a:rPr lang="en-US" altLang="zh-TW" dirty="0"/>
+              <a:t>Weighted BCE</a:t>
+            </a:r>
+          </a:p>
+          <a:p>
+            <a:endParaRPr lang="en-US" altLang="zh-TW" dirty="0"/>
+          </a:p>
+          <a:p>
+            <a:endParaRPr lang="en-US" altLang="zh-TW" dirty="0"/>
+          </a:p>
+          <a:p>
+            <a:endParaRPr lang="en-US" altLang="zh-TW" dirty="0"/>
+          </a:p>
+          <a:p>
+            <a:r>
+              <a:rPr lang="en-US" altLang="zh-TW" dirty="0"/>
+              <a:t>Focal</a:t>
+            </a:r>
+            <a:endParaRPr lang="zh-TW" altLang="en-US" dirty="0"/>
+          </a:p>
+        </p:txBody>
+      </p:sp>
+      <p:sp>
+        <p:nvSpPr>
+          <p:cNvPr id="4" name="投影片編號版面配置區 3">
+            <a:extLst>
+              <a:ext uri="{FF2B5EF4-FFF2-40B4-BE49-F238E27FC236}">
+                <a16:creationId xmlns:a16="http://schemas.microsoft.com/office/drawing/2014/main" id="{DF45575E-4B44-4735-8EF7-86B94D601679}"/>
+              </a:ext>
+            </a:extLst>
+          </p:cNvPr>
+          <p:cNvSpPr>
+            <a:spLocks noGrp="1"/>
+          </p:cNvSpPr>
+          <p:nvPr>
+            <p:ph type="sldNum" sz="quarter" idx="10"/>
+          </p:nvPr>
+        </p:nvSpPr>
+        <p:spPr/>
+        <p:txBody>
+          <a:bodyPr/>
+          <a:lstStyle/>
+          <a:p>
+            <a:pPr>
+              <a:defRPr/>
+            </a:pPr>
+            <a:fld id="{F7B336DD-90F7-4FE0-B0C5-4055F923B7E5}" type="slidenum">
+              <a:rPr lang="zh-TW" altLang="en-US" smtClean="0"/>
+              <a:pPr>
+                <a:defRPr/>
+              </a:pPr>
+              <a:t>5</a:t>
+            </a:fld>
+            <a:endParaRPr lang="zh-TW" altLang="en-US"/>
+          </a:p>
+        </p:txBody>
+      </p:sp>
+      <p:pic>
+        <p:nvPicPr>
+          <p:cNvPr id="6" name="圖片 5">
+            <a:extLst>
+              <a:ext uri="{FF2B5EF4-FFF2-40B4-BE49-F238E27FC236}">
+                <a16:creationId xmlns:a16="http://schemas.microsoft.com/office/drawing/2014/main" id="{EF9B6E09-CC88-4273-9E0E-1A651C0E5ED7}"/>
+              </a:ext>
+            </a:extLst>
+          </p:cNvPr>
+          <p:cNvPicPr>
+            <a:picLocks noChangeAspect="1"/>
+          </p:cNvPicPr>
+          <p:nvPr/>
+        </p:nvPicPr>
+        <p:blipFill>
+          <a:blip r:embed="rId2"/>
+          <a:stretch>
+            <a:fillRect/>
+          </a:stretch>
+        </p:blipFill>
+        <p:spPr>
+          <a:xfrm>
+            <a:off x="4283968" y="986765"/>
+            <a:ext cx="3412456" cy="1498457"/>
+          </a:xfrm>
+          <a:prstGeom prst="rect">
+            <a:avLst/>
+          </a:prstGeom>
+        </p:spPr>
+      </p:pic>
+      <p:pic>
+        <p:nvPicPr>
+          <p:cNvPr id="8" name="圖片 7">
+            <a:extLst>
+              <a:ext uri="{FF2B5EF4-FFF2-40B4-BE49-F238E27FC236}">
+                <a16:creationId xmlns:a16="http://schemas.microsoft.com/office/drawing/2014/main" id="{7ACD61F6-F5C6-4768-B80B-18CCB1A4B1B9}"/>
+              </a:ext>
+            </a:extLst>
+          </p:cNvPr>
+          <p:cNvPicPr>
+            <a:picLocks noChangeAspect="1"/>
+          </p:cNvPicPr>
+          <p:nvPr/>
+        </p:nvPicPr>
+        <p:blipFill>
+          <a:blip r:embed="rId3"/>
+          <a:stretch>
+            <a:fillRect/>
+          </a:stretch>
+        </p:blipFill>
+        <p:spPr>
+          <a:xfrm>
+            <a:off x="4283968" y="2852836"/>
+            <a:ext cx="4744816" cy="1368227"/>
+          </a:xfrm>
+          <a:prstGeom prst="rect">
+            <a:avLst/>
+          </a:prstGeom>
+        </p:spPr>
+      </p:pic>
+      <mc:AlternateContent xmlns:mc="http://schemas.openxmlformats.org/markup-compatibility/2006">
+        <mc:Choice xmlns:a14="http://schemas.microsoft.com/office/drawing/2010/main" Requires="a14">
+          <p:sp>
+            <p:nvSpPr>
+              <p:cNvPr id="9" name="文字方塊 8">
+                <a:extLst>
+                  <a:ext uri="{FF2B5EF4-FFF2-40B4-BE49-F238E27FC236}">
+                    <a16:creationId xmlns:a16="http://schemas.microsoft.com/office/drawing/2014/main" id="{6E43CD9C-1121-4BC0-8599-D0DD4C25D743}"/>
+                  </a:ext>
+                </a:extLst>
+              </p:cNvPr>
+              <p:cNvSpPr txBox="1"/>
+              <p:nvPr/>
+            </p:nvSpPr>
+            <p:spPr>
+              <a:xfrm>
+                <a:off x="3552445" y="4588677"/>
+                <a:ext cx="5476339" cy="1477328"/>
+              </a:xfrm>
+              <a:prstGeom prst="rect">
+                <a:avLst/>
+              </a:prstGeom>
+              <a:noFill/>
+              <a:ln>
+                <a:solidFill>
+                  <a:schemeClr val="tx2"/>
+                </a:solidFill>
+              </a:ln>
+            </p:spPr>
+            <p:txBody>
+              <a:bodyPr wrap="square" rtlCol="0">
+                <a:spAutoFit/>
+              </a:bodyPr>
+              <a:lstStyle/>
+              <a:p>
+                <a:pPr/>
+                <a14:m>
+                  <m:oMathPara xmlns:m="http://schemas.openxmlformats.org/officeDocument/2006/math">
+                    <m:oMathParaPr>
+                      <m:jc m:val="left"/>
+                    </m:oMathParaPr>
+                    <m:oMath xmlns:m="http://schemas.openxmlformats.org/officeDocument/2006/math">
+                      <m:r>
+                        <m:rPr>
+                          <m:sty m:val="p"/>
+                        </m:rPr>
+                        <a:rPr lang="en-US" altLang="zh-TW" i="0" dirty="0" smtClean="0">
+                          <a:latin typeface="Cambria Math" panose="02040503050406030204" pitchFamily="18" charset="0"/>
+                        </a:rPr>
+                        <m:t>If</m:t>
+                      </m:r>
+                      <m:r>
+                        <a:rPr lang="en-US" altLang="zh-TW" i="0" dirty="0" smtClean="0">
+                          <a:latin typeface="Cambria Math" panose="02040503050406030204" pitchFamily="18" charset="0"/>
+                        </a:rPr>
+                        <m:t>  </m:t>
+                      </m:r>
+                      <m:r>
+                        <a:rPr lang="en-US" altLang="zh-TW" i="1" dirty="0" smtClean="0">
+                          <a:latin typeface="Cambria Math" panose="02040503050406030204" pitchFamily="18" charset="0"/>
+                        </a:rPr>
+                        <m:t>𝑙𝑎𝑏𝑒𝑙</m:t>
+                      </m:r>
+                      <m:r>
+                        <a:rPr lang="en-US" altLang="zh-TW" i="0" dirty="0" smtClean="0">
+                          <a:latin typeface="Cambria Math" panose="02040503050406030204" pitchFamily="18" charset="0"/>
+                        </a:rPr>
+                        <m:t> == 1:</m:t>
+                      </m:r>
+                    </m:oMath>
+                  </m:oMathPara>
+                </a14:m>
+                <a:endParaRPr lang="en-US" altLang="zh-TW" dirty="0"/>
+              </a:p>
+              <a:p>
+                <a14:m>
+                  <m:oMathPara xmlns:m="http://schemas.openxmlformats.org/officeDocument/2006/math">
+                    <m:oMathParaPr>
+                      <m:jc m:val="centerGroup"/>
+                    </m:oMathParaPr>
+                    <m:oMath xmlns:m="http://schemas.openxmlformats.org/officeDocument/2006/math">
+                      <m:r>
+                        <a:rPr lang="en-US" altLang="zh-TW" i="0" dirty="0" smtClean="0">
+                          <a:latin typeface="Cambria Math" panose="02040503050406030204" pitchFamily="18" charset="0"/>
+                        </a:rPr>
+                        <m:t>      −</m:t>
+                      </m:r>
+                      <m:r>
+                        <a:rPr lang="en-US" altLang="zh-TW" i="0" dirty="0">
+                          <a:latin typeface="Cambria Math" panose="02040503050406030204" pitchFamily="18" charset="0"/>
+                        </a:rPr>
+                        <m:t> </m:t>
+                      </m:r>
+                      <m:r>
+                        <a:rPr lang="en-US" altLang="zh-TW" i="0" dirty="0" smtClean="0">
+                          <a:latin typeface="Cambria Math" panose="02040503050406030204" pitchFamily="18" charset="0"/>
+                        </a:rPr>
+                        <m:t>(1−</m:t>
+                      </m:r>
+                      <m:r>
+                        <a:rPr lang="en-US" altLang="zh-TW" i="1" dirty="0" smtClean="0">
+                          <a:latin typeface="Cambria Math" panose="02040503050406030204" pitchFamily="18" charset="0"/>
+                        </a:rPr>
+                        <m:t>𝑝𝑟𝑒𝑑𝑖𝑐</m:t>
+                      </m:r>
+                      <m:r>
+                        <a:rPr lang="en-US" altLang="zh-TW" b="0" i="1" dirty="0" smtClean="0">
+                          <a:latin typeface="Cambria Math" panose="02040503050406030204" pitchFamily="18" charset="0"/>
+                        </a:rPr>
+                        <m:t>𝑡</m:t>
+                      </m:r>
+                      <m:r>
+                        <a:rPr lang="en-US" altLang="zh-TW" b="0" i="1" dirty="0" smtClean="0">
+                          <a:latin typeface="Cambria Math" panose="02040503050406030204" pitchFamily="18" charset="0"/>
+                        </a:rPr>
+                        <m:t>_</m:t>
+                      </m:r>
+                      <m:r>
+                        <a:rPr lang="en-US" altLang="zh-TW" i="1" dirty="0" smtClean="0">
+                          <a:latin typeface="Cambria Math" panose="02040503050406030204" pitchFamily="18" charset="0"/>
+                        </a:rPr>
+                        <m:t>𝑜𝑢𝑡𝑝𝑢𝑡</m:t>
+                      </m:r>
+                      <m:sSup>
+                        <m:sSupPr>
+                          <m:ctrlPr>
+                            <a:rPr lang="en-US" altLang="zh-TW" i="1" dirty="0" smtClean="0">
+                              <a:latin typeface="Cambria Math" panose="02040503050406030204" pitchFamily="18" charset="0"/>
+                            </a:rPr>
+                          </m:ctrlPr>
+                        </m:sSupPr>
+                        <m:e>
+                          <m:r>
+                            <a:rPr lang="en-US" altLang="zh-TW" b="0" i="1" dirty="0" smtClean="0">
+                              <a:latin typeface="Cambria Math" panose="02040503050406030204" pitchFamily="18" charset="0"/>
+                            </a:rPr>
+                            <m:t>)</m:t>
+                          </m:r>
+                        </m:e>
+                        <m:sup>
+                          <m:r>
+                            <m:rPr>
+                              <m:sty m:val="p"/>
+                            </m:rPr>
+                            <a:rPr lang="el-GR" altLang="zh-TW" i="1" dirty="0" smtClean="0">
+                              <a:latin typeface="Cambria Math" panose="02040503050406030204" pitchFamily="18" charset="0"/>
+                            </a:rPr>
+                            <m:t>γ</m:t>
+                          </m:r>
+                        </m:sup>
+                      </m:sSup>
+                      <m:r>
+                        <a:rPr lang="en-US" altLang="zh-TW" b="0" i="1" dirty="0" smtClean="0">
+                          <a:latin typeface="Cambria Math" panose="02040503050406030204" pitchFamily="18" charset="0"/>
+                        </a:rPr>
+                        <m:t> </m:t>
+                      </m:r>
+                      <m:r>
+                        <a:rPr lang="en-US" altLang="zh-TW" b="0" i="1" dirty="0" smtClean="0">
+                          <a:latin typeface="Cambria Math" panose="02040503050406030204" pitchFamily="18" charset="0"/>
+                          <a:ea typeface="Cambria Math" panose="02040503050406030204" pitchFamily="18" charset="0"/>
+                        </a:rPr>
+                        <m:t>∗ </m:t>
+                      </m:r>
+                      <m:r>
+                        <m:rPr>
+                          <m:sty m:val="p"/>
+                        </m:rPr>
+                        <a:rPr lang="en-US" altLang="zh-TW" b="0" i="0" dirty="0" smtClean="0">
+                          <a:latin typeface="Cambria Math" panose="02040503050406030204" pitchFamily="18" charset="0"/>
+                          <a:ea typeface="Cambria Math" panose="02040503050406030204" pitchFamily="18" charset="0"/>
+                        </a:rPr>
+                        <m:t>log</m:t>
+                      </m:r>
+                      <m:r>
+                        <a:rPr lang="en-US" altLang="zh-TW" b="0" i="1" dirty="0" smtClean="0">
+                          <a:latin typeface="Cambria Math" panose="02040503050406030204" pitchFamily="18" charset="0"/>
+                          <a:ea typeface="Cambria Math" panose="02040503050406030204" pitchFamily="18" charset="0"/>
+                        </a:rPr>
+                        <m:t>⁡(</m:t>
+                      </m:r>
+                      <m:r>
+                        <a:rPr lang="en-US" altLang="zh-TW" b="0" i="1" dirty="0" smtClean="0">
+                          <a:latin typeface="Cambria Math" panose="02040503050406030204" pitchFamily="18" charset="0"/>
+                          <a:ea typeface="Cambria Math" panose="02040503050406030204" pitchFamily="18" charset="0"/>
+                        </a:rPr>
+                        <m:t>𝑝𝑟𝑒𝑑𝑖𝑐𝑡</m:t>
+                      </m:r>
+                      <m:r>
+                        <a:rPr lang="en-US" altLang="zh-TW" b="0" i="1" dirty="0" smtClean="0">
+                          <a:latin typeface="Cambria Math" panose="02040503050406030204" pitchFamily="18" charset="0"/>
+                          <a:ea typeface="Cambria Math" panose="02040503050406030204" pitchFamily="18" charset="0"/>
+                        </a:rPr>
+                        <m:t>_</m:t>
+                      </m:r>
+                      <m:r>
+                        <a:rPr lang="en-US" altLang="zh-TW" b="0" i="1" dirty="0" smtClean="0">
+                          <a:latin typeface="Cambria Math" panose="02040503050406030204" pitchFamily="18" charset="0"/>
+                          <a:ea typeface="Cambria Math" panose="02040503050406030204" pitchFamily="18" charset="0"/>
+                        </a:rPr>
+                        <m:t>𝑜𝑢𝑡𝑝𝑢𝑡</m:t>
+                      </m:r>
+                      <m:r>
+                        <a:rPr lang="en-US" altLang="zh-TW" b="0" i="1" dirty="0" smtClean="0">
+                          <a:latin typeface="Cambria Math" panose="02040503050406030204" pitchFamily="18" charset="0"/>
+                          <a:ea typeface="Cambria Math" panose="02040503050406030204" pitchFamily="18" charset="0"/>
+                        </a:rPr>
+                        <m:t>)</m:t>
+                      </m:r>
+                    </m:oMath>
+                  </m:oMathPara>
+                </a14:m>
+                <a:endParaRPr lang="en-US" altLang="zh-TW" dirty="0"/>
+              </a:p>
+              <a:p>
+                <a:pPr/>
+                <a14:m>
+                  <m:oMathPara xmlns:m="http://schemas.openxmlformats.org/officeDocument/2006/math">
+                    <m:oMathParaPr>
+                      <m:jc m:val="left"/>
+                    </m:oMathParaPr>
+                    <m:oMath xmlns:m="http://schemas.openxmlformats.org/officeDocument/2006/math">
+                      <m:r>
+                        <m:rPr>
+                          <m:sty m:val="p"/>
+                        </m:rPr>
+                        <a:rPr lang="en-US" altLang="zh-TW" b="0" i="0" smtClean="0">
+                          <a:latin typeface="Cambria Math" panose="02040503050406030204" pitchFamily="18" charset="0"/>
+                        </a:rPr>
+                        <m:t>elif</m:t>
+                      </m:r>
+                      <m:r>
+                        <a:rPr lang="en-US" altLang="zh-TW" b="0" i="0" smtClean="0">
+                          <a:latin typeface="Cambria Math" panose="02040503050406030204" pitchFamily="18" charset="0"/>
+                        </a:rPr>
+                        <m:t>  </m:t>
+                      </m:r>
+                      <m:r>
+                        <a:rPr lang="en-US" altLang="zh-TW" b="0" i="1" smtClean="0">
+                          <a:latin typeface="Cambria Math" panose="02040503050406030204" pitchFamily="18" charset="0"/>
+                        </a:rPr>
+                        <m:t>𝑙𝑎𝑏𝑒𝑙</m:t>
+                      </m:r>
+                      <m:r>
+                        <a:rPr lang="en-US" altLang="zh-TW" b="0" i="0" smtClean="0">
+                          <a:latin typeface="Cambria Math" panose="02040503050406030204" pitchFamily="18" charset="0"/>
+                        </a:rPr>
+                        <m:t>==0:</m:t>
+                      </m:r>
+                    </m:oMath>
+                  </m:oMathPara>
+                </a14:m>
+                <a:endParaRPr lang="en-US" altLang="zh-TW" b="0" dirty="0"/>
+              </a:p>
+              <a:p>
+                <a:pPr/>
+                <a:r>
+                  <a:rPr lang="en-US" altLang="zh-TW" b="0" dirty="0"/>
+                  <a:t>       </a:t>
+                </a:r>
+                <a14:m>
+                  <m:oMath xmlns:m="http://schemas.openxmlformats.org/officeDocument/2006/math">
+                    <m:r>
+                      <a:rPr lang="en-US" altLang="zh-TW" i="0" dirty="0" smtClean="0">
+                        <a:latin typeface="Cambria Math" panose="02040503050406030204" pitchFamily="18" charset="0"/>
+                      </a:rPr>
+                      <m:t>−</m:t>
+                    </m:r>
+                    <m:r>
+                      <a:rPr lang="en-US" altLang="zh-TW" i="0" dirty="0">
+                        <a:latin typeface="Cambria Math" panose="02040503050406030204" pitchFamily="18" charset="0"/>
+                      </a:rPr>
+                      <m:t> </m:t>
+                    </m:r>
+                    <m:r>
+                      <a:rPr lang="en-US" altLang="zh-TW" i="0" dirty="0" smtClean="0">
+                        <a:latin typeface="Cambria Math" panose="02040503050406030204" pitchFamily="18" charset="0"/>
+                      </a:rPr>
+                      <m:t>(</m:t>
+                    </m:r>
+                    <m:r>
+                      <a:rPr lang="en-US" altLang="zh-TW" i="1" dirty="0" smtClean="0">
+                        <a:latin typeface="Cambria Math" panose="02040503050406030204" pitchFamily="18" charset="0"/>
+                      </a:rPr>
+                      <m:t>𝑝𝑟𝑒𝑑𝑖𝑐</m:t>
+                    </m:r>
+                    <m:r>
+                      <a:rPr lang="en-US" altLang="zh-TW" b="0" i="1" dirty="0" smtClean="0">
+                        <a:latin typeface="Cambria Math" panose="02040503050406030204" pitchFamily="18" charset="0"/>
+                      </a:rPr>
+                      <m:t>𝑡</m:t>
+                    </m:r>
+                    <m:r>
+                      <a:rPr lang="en-US" altLang="zh-TW" b="0" i="1" dirty="0" smtClean="0">
+                        <a:latin typeface="Cambria Math" panose="02040503050406030204" pitchFamily="18" charset="0"/>
+                      </a:rPr>
+                      <m:t>_</m:t>
+                    </m:r>
+                    <m:r>
+                      <a:rPr lang="en-US" altLang="zh-TW" i="1" dirty="0" smtClean="0">
+                        <a:latin typeface="Cambria Math" panose="02040503050406030204" pitchFamily="18" charset="0"/>
+                      </a:rPr>
+                      <m:t>𝑜𝑢𝑡𝑝𝑢𝑡</m:t>
+                    </m:r>
+                    <m:sSup>
+                      <m:sSupPr>
+                        <m:ctrlPr>
+                          <a:rPr lang="en-US" altLang="zh-TW" i="1" dirty="0" smtClean="0">
+                            <a:latin typeface="Cambria Math" panose="02040503050406030204" pitchFamily="18" charset="0"/>
+                          </a:rPr>
+                        </m:ctrlPr>
+                      </m:sSupPr>
+                      <m:e>
+                        <m:r>
+                          <a:rPr lang="en-US" altLang="zh-TW" b="0" i="1" dirty="0" smtClean="0">
+                            <a:latin typeface="Cambria Math" panose="02040503050406030204" pitchFamily="18" charset="0"/>
+                          </a:rPr>
+                          <m:t>)</m:t>
+                        </m:r>
+                      </m:e>
+                      <m:sup>
+                        <m:r>
+                          <m:rPr>
+                            <m:sty m:val="p"/>
+                          </m:rPr>
+                          <a:rPr lang="el-GR" altLang="zh-TW" i="1" dirty="0" smtClean="0">
+                            <a:latin typeface="Cambria Math" panose="02040503050406030204" pitchFamily="18" charset="0"/>
+                          </a:rPr>
+                          <m:t>γ</m:t>
+                        </m:r>
+                      </m:sup>
+                    </m:sSup>
+                    <m:r>
+                      <a:rPr lang="en-US" altLang="zh-TW" b="0" i="1" dirty="0" smtClean="0">
+                        <a:latin typeface="Cambria Math" panose="02040503050406030204" pitchFamily="18" charset="0"/>
+                      </a:rPr>
+                      <m:t> </m:t>
+                    </m:r>
+                    <m:r>
+                      <a:rPr lang="en-US" altLang="zh-TW" b="0" i="1" dirty="0" smtClean="0">
+                        <a:latin typeface="Cambria Math" panose="02040503050406030204" pitchFamily="18" charset="0"/>
+                        <a:ea typeface="Cambria Math" panose="02040503050406030204" pitchFamily="18" charset="0"/>
+                      </a:rPr>
+                      <m:t>∗</m:t>
+                    </m:r>
+                    <m:r>
+                      <a:rPr lang="en-US" altLang="zh-TW" b="0" i="0" dirty="0" smtClean="0">
+                        <a:latin typeface="Cambria Math" panose="02040503050406030204" pitchFamily="18" charset="0"/>
+                        <a:ea typeface="Cambria Math" panose="02040503050406030204" pitchFamily="18" charset="0"/>
+                      </a:rPr>
+                      <m:t> </m:t>
+                    </m:r>
+                    <m:r>
+                      <m:rPr>
+                        <m:sty m:val="p"/>
+                      </m:rPr>
+                      <a:rPr lang="en-US" altLang="zh-TW" b="0" i="0" dirty="0" smtClean="0">
+                        <a:latin typeface="Cambria Math" panose="02040503050406030204" pitchFamily="18" charset="0"/>
+                        <a:ea typeface="Cambria Math" panose="02040503050406030204" pitchFamily="18" charset="0"/>
+                      </a:rPr>
+                      <m:t>log</m:t>
+                    </m:r>
+                    <m:r>
+                      <a:rPr lang="en-US" altLang="zh-TW" b="0" i="1" dirty="0" smtClean="0">
+                        <a:latin typeface="Cambria Math" panose="02040503050406030204" pitchFamily="18" charset="0"/>
+                        <a:ea typeface="Cambria Math" panose="02040503050406030204" pitchFamily="18" charset="0"/>
+                      </a:rPr>
+                      <m:t>⁡(</m:t>
+                    </m:r>
+                    <m:r>
+                      <a:rPr lang="en-US" altLang="zh-TW" b="0" i="1" dirty="0" smtClean="0">
+                        <a:latin typeface="Cambria Math" panose="02040503050406030204" pitchFamily="18" charset="0"/>
+                        <a:ea typeface="Cambria Math" panose="02040503050406030204" pitchFamily="18" charset="0"/>
+                      </a:rPr>
+                      <m:t>1 −</m:t>
+                    </m:r>
+                    <m:r>
+                      <a:rPr lang="en-US" altLang="zh-TW" b="0" i="1" dirty="0" smtClean="0">
+                        <a:latin typeface="Cambria Math" panose="02040503050406030204" pitchFamily="18" charset="0"/>
+                        <a:ea typeface="Cambria Math" panose="02040503050406030204" pitchFamily="18" charset="0"/>
+                      </a:rPr>
+                      <m:t>𝑝𝑟𝑒𝑑𝑖𝑐𝑡</m:t>
+                    </m:r>
+                    <m:r>
+                      <a:rPr lang="en-US" altLang="zh-TW" b="0" i="1" dirty="0" smtClean="0">
+                        <a:latin typeface="Cambria Math" panose="02040503050406030204" pitchFamily="18" charset="0"/>
+                        <a:ea typeface="Cambria Math" panose="02040503050406030204" pitchFamily="18" charset="0"/>
+                      </a:rPr>
+                      <m:t>_</m:t>
+                    </m:r>
+                    <m:r>
+                      <a:rPr lang="en-US" altLang="zh-TW" b="0" i="1" dirty="0" smtClean="0">
+                        <a:latin typeface="Cambria Math" panose="02040503050406030204" pitchFamily="18" charset="0"/>
+                        <a:ea typeface="Cambria Math" panose="02040503050406030204" pitchFamily="18" charset="0"/>
+                      </a:rPr>
+                      <m:t>𝑜𝑢𝑡𝑝𝑢𝑡</m:t>
+                    </m:r>
+                    <m:r>
+                      <a:rPr lang="en-US" altLang="zh-TW" b="0" i="1" dirty="0" smtClean="0">
+                        <a:latin typeface="Cambria Math" panose="02040503050406030204" pitchFamily="18" charset="0"/>
+                        <a:ea typeface="Cambria Math" panose="02040503050406030204" pitchFamily="18" charset="0"/>
+                      </a:rPr>
+                      <m:t>)</m:t>
+                    </m:r>
+                  </m:oMath>
+                </a14:m>
+                <a:endParaRPr lang="en-US" altLang="zh-TW" b="0" dirty="0"/>
+              </a:p>
+              <a:p>
+                <a:endParaRPr lang="en-US" altLang="zh-TW" dirty="0"/>
+              </a:p>
+            </p:txBody>
+          </p:sp>
+        </mc:Choice>
+        <mc:Fallback>
+          <p:sp>
+            <p:nvSpPr>
+              <p:cNvPr id="9" name="文字方塊 8">
+                <a:extLst>
+                  <a:ext uri="{FF2B5EF4-FFF2-40B4-BE49-F238E27FC236}">
+                    <a16:creationId xmlns:a16="http://schemas.microsoft.com/office/drawing/2014/main" id="{6E43CD9C-1121-4BC0-8599-D0DD4C25D743}"/>
+                  </a:ext>
+                </a:extLst>
+              </p:cNvPr>
+              <p:cNvSpPr txBox="1">
+                <a:spLocks noRot="1" noChangeAspect="1" noMove="1" noResize="1" noEditPoints="1" noAdjustHandles="1" noChangeArrowheads="1" noChangeShapeType="1" noTextEdit="1"/>
+              </p:cNvSpPr>
+              <p:nvPr/>
+            </p:nvSpPr>
+            <p:spPr>
+              <a:xfrm>
+                <a:off x="3552445" y="4588677"/>
+                <a:ext cx="5476339" cy="1477328"/>
+              </a:xfrm>
+              <a:prstGeom prst="rect">
+                <a:avLst/>
+              </a:prstGeom>
+              <a:blipFill>
+                <a:blip r:embed="rId4"/>
+                <a:stretch>
+                  <a:fillRect r="-222"/>
+                </a:stretch>
+              </a:blipFill>
+              <a:ln>
+                <a:solidFill>
+                  <a:schemeClr val="tx2"/>
+                </a:solidFill>
+              </a:ln>
+            </p:spPr>
+            <p:txBody>
+              <a:bodyPr/>
+              <a:lstStyle/>
+              <a:p>
+                <a:r>
+                  <a:rPr lang="zh-TW" altLang="en-US">
+                    <a:noFill/>
+                  </a:rPr>
+                  <a:t> </a:t>
+                </a:r>
+              </a:p>
+            </p:txBody>
+          </p:sp>
+        </mc:Fallback>
+      </mc:AlternateContent>
+    </p:spTree>
+    <p:extLst>
+      <p:ext uri="{BB962C8B-B14F-4D97-AF65-F5344CB8AC3E}">
+        <p14:creationId xmlns:p14="http://schemas.microsoft.com/office/powerpoint/2010/main" val="3028217211"/>
       </p:ext>
     </p:extLst>
   </p:cSld>
